--- a/Курс 3/СТП/ИД23-1_Маслов_АН_ЗКР.pptx
+++ b/Курс 3/СТП/ИД23-1_Маслов_АН_ЗКР.pptx
@@ -1,9 +1,12 @@
 
 <file path=ppt/presentation.xml><?xml version="1.0" encoding="utf-8"?>
-<p:presentation xmlns:a="http://schemas.openxmlformats.org/drawingml/2006/main" xmlns:r="http://schemas.openxmlformats.org/officeDocument/2006/relationships" xmlns:p="http://schemas.openxmlformats.org/presentationml/2006/main" saveSubsetFonts="1">
+<p:presentation xmlns:a="http://schemas.openxmlformats.org/drawingml/2006/main" xmlns:r="http://schemas.openxmlformats.org/officeDocument/2006/relationships" xmlns:p="http://schemas.openxmlformats.org/presentationml/2006/main" showSpecialPlsOnTitleSld="0" saveSubsetFonts="1">
   <p:sldMasterIdLst>
     <p:sldMasterId id="2147483708" r:id="rId1"/>
   </p:sldMasterIdLst>
+  <p:notesMasterIdLst>
+    <p:notesMasterId r:id="rId19"/>
+  </p:notesMasterIdLst>
   <p:sldIdLst>
     <p:sldId id="256" r:id="rId2"/>
     <p:sldId id="270" r:id="rId3"/>
@@ -15,11 +18,13 @@
     <p:sldId id="265" r:id="rId9"/>
     <p:sldId id="264" r:id="rId10"/>
     <p:sldId id="273" r:id="rId11"/>
-    <p:sldId id="271" r:id="rId12"/>
-    <p:sldId id="266" r:id="rId13"/>
-    <p:sldId id="272" r:id="rId14"/>
-    <p:sldId id="267" r:id="rId15"/>
-    <p:sldId id="268" r:id="rId16"/>
+    <p:sldId id="274" r:id="rId12"/>
+    <p:sldId id="275" r:id="rId13"/>
+    <p:sldId id="271" r:id="rId14"/>
+    <p:sldId id="266" r:id="rId15"/>
+    <p:sldId id="272" r:id="rId16"/>
+    <p:sldId id="267" r:id="rId17"/>
+    <p:sldId id="268" r:id="rId18"/>
   </p:sldIdLst>
   <p:sldSz cx="12192000" cy="6858000"/>
   <p:notesSz cx="6858000" cy="9144000"/>
@@ -9247,6 +9252,355 @@
 </dgm:styleDef>
 </file>
 
+<file path=ppt/notesMasters/notesMaster1.xml><?xml version="1.0" encoding="utf-8"?>
+<p:notesMaster xmlns:a="http://schemas.openxmlformats.org/drawingml/2006/main" xmlns:r="http://schemas.openxmlformats.org/officeDocument/2006/relationships" xmlns:p="http://schemas.openxmlformats.org/presentationml/2006/main">
+  <p:cSld>
+    <p:bg>
+      <p:bgRef idx="1001">
+        <a:schemeClr val="bg1"/>
+      </p:bgRef>
+    </p:bg>
+    <p:spTree>
+      <p:nvGrpSpPr>
+        <p:cNvPr id="1" name=""/>
+        <p:cNvGrpSpPr/>
+        <p:nvPr/>
+      </p:nvGrpSpPr>
+      <p:grpSpPr>
+        <a:xfrm>
+          <a:off x="0" y="0"/>
+          <a:ext cx="0" cy="0"/>
+          <a:chOff x="0" y="0"/>
+          <a:chExt cx="0" cy="0"/>
+        </a:xfrm>
+      </p:grpSpPr>
+      <p:sp>
+        <p:nvSpPr>
+          <p:cNvPr id="2" name="Верхний колонтитул 1"/>
+          <p:cNvSpPr>
+            <a:spLocks noGrp="1"/>
+          </p:cNvSpPr>
+          <p:nvPr>
+            <p:ph type="hdr" sz="quarter"/>
+          </p:nvPr>
+        </p:nvSpPr>
+        <p:spPr>
+          <a:xfrm>
+            <a:off x="0" y="0"/>
+            <a:ext cx="2971800" cy="458788"/>
+          </a:xfrm>
+          <a:prstGeom prst="rect">
+            <a:avLst/>
+          </a:prstGeom>
+        </p:spPr>
+        <p:txBody>
+          <a:bodyPr vert="horz" lIns="91440" tIns="45720" rIns="91440" bIns="45720" rtlCol="0"/>
+          <a:lstStyle>
+            <a:lvl1pPr algn="l">
+              <a:defRPr sz="1200"/>
+            </a:lvl1pPr>
+          </a:lstStyle>
+          <a:p>
+            <a:endParaRPr lang="ru-RU"/>
+          </a:p>
+        </p:txBody>
+      </p:sp>
+      <p:sp>
+        <p:nvSpPr>
+          <p:cNvPr id="3" name="Дата 2"/>
+          <p:cNvSpPr>
+            <a:spLocks noGrp="1"/>
+          </p:cNvSpPr>
+          <p:nvPr>
+            <p:ph type="dt" idx="1"/>
+          </p:nvPr>
+        </p:nvSpPr>
+        <p:spPr>
+          <a:xfrm>
+            <a:off x="3884613" y="0"/>
+            <a:ext cx="2971800" cy="458788"/>
+          </a:xfrm>
+          <a:prstGeom prst="rect">
+            <a:avLst/>
+          </a:prstGeom>
+        </p:spPr>
+        <p:txBody>
+          <a:bodyPr vert="horz" lIns="91440" tIns="45720" rIns="91440" bIns="45720" rtlCol="0"/>
+          <a:lstStyle>
+            <a:lvl1pPr algn="r">
+              <a:defRPr sz="1200"/>
+            </a:lvl1pPr>
+          </a:lstStyle>
+          <a:p>
+            <a:fld id="{7EDDED4A-08C1-4F56-8A34-F22551088791}" type="datetimeFigureOut">
+              <a:rPr lang="ru-RU" smtClean="0"/>
+              <a:t>17.12.2025</a:t>
+            </a:fld>
+            <a:endParaRPr lang="ru-RU"/>
+          </a:p>
+        </p:txBody>
+      </p:sp>
+      <p:sp>
+        <p:nvSpPr>
+          <p:cNvPr id="4" name="Образ слайда 3"/>
+          <p:cNvSpPr>
+            <a:spLocks noGrp="1" noRot="1" noChangeAspect="1"/>
+          </p:cNvSpPr>
+          <p:nvPr>
+            <p:ph type="sldImg" idx="2"/>
+          </p:nvPr>
+        </p:nvSpPr>
+        <p:spPr>
+          <a:xfrm>
+            <a:off x="685800" y="1143000"/>
+            <a:ext cx="5486400" cy="3086100"/>
+          </a:xfrm>
+          <a:prstGeom prst="rect">
+            <a:avLst/>
+          </a:prstGeom>
+          <a:noFill/>
+          <a:ln w="12700">
+            <a:solidFill>
+              <a:prstClr val="black"/>
+            </a:solidFill>
+          </a:ln>
+        </p:spPr>
+        <p:txBody>
+          <a:bodyPr vert="horz" lIns="91440" tIns="45720" rIns="91440" bIns="45720" rtlCol="0" anchor="ctr"/>
+          <a:lstStyle/>
+          <a:p>
+            <a:endParaRPr lang="ru-RU"/>
+          </a:p>
+        </p:txBody>
+      </p:sp>
+      <p:sp>
+        <p:nvSpPr>
+          <p:cNvPr id="5" name="Заметки 4"/>
+          <p:cNvSpPr>
+            <a:spLocks noGrp="1"/>
+          </p:cNvSpPr>
+          <p:nvPr>
+            <p:ph type="body" sz="quarter" idx="3"/>
+          </p:nvPr>
+        </p:nvSpPr>
+        <p:spPr>
+          <a:xfrm>
+            <a:off x="685800" y="4400550"/>
+            <a:ext cx="5486400" cy="3600450"/>
+          </a:xfrm>
+          <a:prstGeom prst="rect">
+            <a:avLst/>
+          </a:prstGeom>
+        </p:spPr>
+        <p:txBody>
+          <a:bodyPr vert="horz" lIns="91440" tIns="45720" rIns="91440" bIns="45720" rtlCol="0"/>
+          <a:lstStyle/>
+          <a:p>
+            <a:pPr lvl="0"/>
+            <a:r>
+              <a:rPr lang="ru-RU"/>
+              <a:t>Образец текста</a:t>
+            </a:r>
+          </a:p>
+          <a:p>
+            <a:pPr lvl="1"/>
+            <a:r>
+              <a:rPr lang="ru-RU"/>
+              <a:t>Второй уровень</a:t>
+            </a:r>
+          </a:p>
+          <a:p>
+            <a:pPr lvl="2"/>
+            <a:r>
+              <a:rPr lang="ru-RU"/>
+              <a:t>Третий уровень</a:t>
+            </a:r>
+          </a:p>
+          <a:p>
+            <a:pPr lvl="3"/>
+            <a:r>
+              <a:rPr lang="ru-RU"/>
+              <a:t>Четвертый уровень</a:t>
+            </a:r>
+          </a:p>
+          <a:p>
+            <a:pPr lvl="4"/>
+            <a:r>
+              <a:rPr lang="ru-RU"/>
+              <a:t>Пятый уровень</a:t>
+            </a:r>
+          </a:p>
+        </p:txBody>
+      </p:sp>
+      <p:sp>
+        <p:nvSpPr>
+          <p:cNvPr id="6" name="Нижний колонтитул 5"/>
+          <p:cNvSpPr>
+            <a:spLocks noGrp="1"/>
+          </p:cNvSpPr>
+          <p:nvPr>
+            <p:ph type="ftr" sz="quarter" idx="4"/>
+          </p:nvPr>
+        </p:nvSpPr>
+        <p:spPr>
+          <a:xfrm>
+            <a:off x="0" y="8685213"/>
+            <a:ext cx="2971800" cy="458787"/>
+          </a:xfrm>
+          <a:prstGeom prst="rect">
+            <a:avLst/>
+          </a:prstGeom>
+        </p:spPr>
+        <p:txBody>
+          <a:bodyPr vert="horz" lIns="91440" tIns="45720" rIns="91440" bIns="45720" rtlCol="0" anchor="b"/>
+          <a:lstStyle>
+            <a:lvl1pPr algn="l">
+              <a:defRPr sz="1200"/>
+            </a:lvl1pPr>
+          </a:lstStyle>
+          <a:p>
+            <a:endParaRPr lang="ru-RU"/>
+          </a:p>
+        </p:txBody>
+      </p:sp>
+      <p:sp>
+        <p:nvSpPr>
+          <p:cNvPr id="7" name="Номер слайда 6"/>
+          <p:cNvSpPr>
+            <a:spLocks noGrp="1"/>
+          </p:cNvSpPr>
+          <p:nvPr>
+            <p:ph type="sldNum" sz="quarter" idx="5"/>
+          </p:nvPr>
+        </p:nvSpPr>
+        <p:spPr>
+          <a:xfrm>
+            <a:off x="3884613" y="8685213"/>
+            <a:ext cx="2971800" cy="458787"/>
+          </a:xfrm>
+          <a:prstGeom prst="rect">
+            <a:avLst/>
+          </a:prstGeom>
+        </p:spPr>
+        <p:txBody>
+          <a:bodyPr vert="horz" lIns="91440" tIns="45720" rIns="91440" bIns="45720" rtlCol="0" anchor="b"/>
+          <a:lstStyle>
+            <a:lvl1pPr algn="r">
+              <a:defRPr sz="1200"/>
+            </a:lvl1pPr>
+          </a:lstStyle>
+          <a:p>
+            <a:fld id="{36D9C5B8-FDC0-42C9-A4F9-7DA641A74265}" type="slidenum">
+              <a:rPr lang="ru-RU" smtClean="0"/>
+              <a:t>‹#›</a:t>
+            </a:fld>
+            <a:endParaRPr lang="ru-RU"/>
+          </a:p>
+        </p:txBody>
+      </p:sp>
+    </p:spTree>
+    <p:extLst>
+      <p:ext uri="{BB962C8B-B14F-4D97-AF65-F5344CB8AC3E}">
+        <p14:creationId xmlns:p14="http://schemas.microsoft.com/office/powerpoint/2010/main" val="1593094485"/>
+      </p:ext>
+    </p:extLst>
+  </p:cSld>
+  <p:clrMap bg1="lt1" tx1="dk1" bg2="lt2" tx2="dk2" accent1="accent1" accent2="accent2" accent3="accent3" accent4="accent4" accent5="accent5" accent6="accent6" hlink="hlink" folHlink="folHlink"/>
+  <p:notesStyle>
+    <a:lvl1pPr marL="0" algn="l" defTabSz="914400" rtl="0" eaLnBrk="1" latinLnBrk="0" hangingPunct="1">
+      <a:defRPr sz="1200" kern="1200">
+        <a:solidFill>
+          <a:schemeClr val="tx1"/>
+        </a:solidFill>
+        <a:latin typeface="+mn-lt"/>
+        <a:ea typeface="+mn-ea"/>
+        <a:cs typeface="+mn-cs"/>
+      </a:defRPr>
+    </a:lvl1pPr>
+    <a:lvl2pPr marL="457200" algn="l" defTabSz="914400" rtl="0" eaLnBrk="1" latinLnBrk="0" hangingPunct="1">
+      <a:defRPr sz="1200" kern="1200">
+        <a:solidFill>
+          <a:schemeClr val="tx1"/>
+        </a:solidFill>
+        <a:latin typeface="+mn-lt"/>
+        <a:ea typeface="+mn-ea"/>
+        <a:cs typeface="+mn-cs"/>
+      </a:defRPr>
+    </a:lvl2pPr>
+    <a:lvl3pPr marL="914400" algn="l" defTabSz="914400" rtl="0" eaLnBrk="1" latinLnBrk="0" hangingPunct="1">
+      <a:defRPr sz="1200" kern="1200">
+        <a:solidFill>
+          <a:schemeClr val="tx1"/>
+        </a:solidFill>
+        <a:latin typeface="+mn-lt"/>
+        <a:ea typeface="+mn-ea"/>
+        <a:cs typeface="+mn-cs"/>
+      </a:defRPr>
+    </a:lvl3pPr>
+    <a:lvl4pPr marL="1371600" algn="l" defTabSz="914400" rtl="0" eaLnBrk="1" latinLnBrk="0" hangingPunct="1">
+      <a:defRPr sz="1200" kern="1200">
+        <a:solidFill>
+          <a:schemeClr val="tx1"/>
+        </a:solidFill>
+        <a:latin typeface="+mn-lt"/>
+        <a:ea typeface="+mn-ea"/>
+        <a:cs typeface="+mn-cs"/>
+      </a:defRPr>
+    </a:lvl4pPr>
+    <a:lvl5pPr marL="1828800" algn="l" defTabSz="914400" rtl="0" eaLnBrk="1" latinLnBrk="0" hangingPunct="1">
+      <a:defRPr sz="1200" kern="1200">
+        <a:solidFill>
+          <a:schemeClr val="tx1"/>
+        </a:solidFill>
+        <a:latin typeface="+mn-lt"/>
+        <a:ea typeface="+mn-ea"/>
+        <a:cs typeface="+mn-cs"/>
+      </a:defRPr>
+    </a:lvl5pPr>
+    <a:lvl6pPr marL="2286000" algn="l" defTabSz="914400" rtl="0" eaLnBrk="1" latinLnBrk="0" hangingPunct="1">
+      <a:defRPr sz="1200" kern="1200">
+        <a:solidFill>
+          <a:schemeClr val="tx1"/>
+        </a:solidFill>
+        <a:latin typeface="+mn-lt"/>
+        <a:ea typeface="+mn-ea"/>
+        <a:cs typeface="+mn-cs"/>
+      </a:defRPr>
+    </a:lvl6pPr>
+    <a:lvl7pPr marL="2743200" algn="l" defTabSz="914400" rtl="0" eaLnBrk="1" latinLnBrk="0" hangingPunct="1">
+      <a:defRPr sz="1200" kern="1200">
+        <a:solidFill>
+          <a:schemeClr val="tx1"/>
+        </a:solidFill>
+        <a:latin typeface="+mn-lt"/>
+        <a:ea typeface="+mn-ea"/>
+        <a:cs typeface="+mn-cs"/>
+      </a:defRPr>
+    </a:lvl7pPr>
+    <a:lvl8pPr marL="3200400" algn="l" defTabSz="914400" rtl="0" eaLnBrk="1" latinLnBrk="0" hangingPunct="1">
+      <a:defRPr sz="1200" kern="1200">
+        <a:solidFill>
+          <a:schemeClr val="tx1"/>
+        </a:solidFill>
+        <a:latin typeface="+mn-lt"/>
+        <a:ea typeface="+mn-ea"/>
+        <a:cs typeface="+mn-cs"/>
+      </a:defRPr>
+    </a:lvl8pPr>
+    <a:lvl9pPr marL="3657600" algn="l" defTabSz="914400" rtl="0" eaLnBrk="1" latinLnBrk="0" hangingPunct="1">
+      <a:defRPr sz="1200" kern="1200">
+        <a:solidFill>
+          <a:schemeClr val="tx1"/>
+        </a:solidFill>
+        <a:latin typeface="+mn-lt"/>
+        <a:ea typeface="+mn-ea"/>
+        <a:cs typeface="+mn-cs"/>
+      </a:defRPr>
+    </a:lvl9pPr>
+  </p:notesStyle>
+</p:notesMaster>
+</file>
+
 <file path=ppt/slideLayouts/slideLayout1.xml><?xml version="1.0" encoding="utf-8"?>
 <p:sldLayout xmlns:a="http://schemas.openxmlformats.org/drawingml/2006/main" xmlns:r="http://schemas.openxmlformats.org/officeDocument/2006/relationships" xmlns:p="http://schemas.openxmlformats.org/presentationml/2006/main" showMasterSp="0" type="title" preserve="1">
   <p:cSld name="Титульный слайд">
@@ -9487,9 +9841,9 @@
           <a:bodyPr/>
           <a:lstStyle/>
           <a:p>
-            <a:fld id="{CFA9455A-F1E2-421B-B235-6FDF54452C39}" type="datetimeFigureOut">
+            <a:fld id="{1BDD37E9-D18D-4C4F-A1F0-1E10840B596B}" type="datetime1">
               <a:rPr lang="ru-RU" smtClean="0"/>
-              <a:t>16.12.2025</a:t>
+              <a:t>17.12.2025</a:t>
             </a:fld>
             <a:endParaRPr lang="ru-RU"/>
           </a:p>
@@ -9695,9 +10049,9 @@
           <a:bodyPr/>
           <a:lstStyle/>
           <a:p>
-            <a:fld id="{CFA9455A-F1E2-421B-B235-6FDF54452C39}" type="datetimeFigureOut">
+            <a:fld id="{10CC5D63-9E30-4066-BCF6-3998E5B5C1FF}" type="datetime1">
               <a:rPr lang="ru-RU" smtClean="0"/>
-              <a:t>16.12.2025</a:t>
+              <a:t>17.12.2025</a:t>
             </a:fld>
             <a:endParaRPr lang="ru-RU"/>
           </a:p>
@@ -9953,9 +10307,9 @@
           <a:bodyPr/>
           <a:lstStyle/>
           <a:p>
-            <a:fld id="{CFA9455A-F1E2-421B-B235-6FDF54452C39}" type="datetimeFigureOut">
+            <a:fld id="{F8788432-09A5-410D-A84B-EE322C764C98}" type="datetime1">
               <a:rPr lang="ru-RU" smtClean="0"/>
-              <a:t>16.12.2025</a:t>
+              <a:t>17.12.2025</a:t>
             </a:fld>
             <a:endParaRPr lang="ru-RU"/>
           </a:p>
@@ -10123,9 +10477,9 @@
           <a:bodyPr/>
           <a:lstStyle/>
           <a:p>
-            <a:fld id="{CFA9455A-F1E2-421B-B235-6FDF54452C39}" type="datetimeFigureOut">
+            <a:fld id="{567C0EF2-34F1-4EC4-83EF-DB27AABF399C}" type="datetime1">
               <a:rPr lang="ru-RU" smtClean="0"/>
-              <a:t>16.12.2025</a:t>
+              <a:t>17.12.2025</a:t>
             </a:fld>
             <a:endParaRPr lang="ru-RU"/>
           </a:p>
@@ -10460,9 +10814,9 @@
           <a:bodyPr/>
           <a:lstStyle/>
           <a:p>
-            <a:fld id="{CFA9455A-F1E2-421B-B235-6FDF54452C39}" type="datetimeFigureOut">
+            <a:fld id="{983CB88A-53AC-4D7E-8AFF-27F101D8F7B3}" type="datetime1">
               <a:rPr lang="ru-RU" smtClean="0"/>
-              <a:t>16.12.2025</a:t>
+              <a:t>17.12.2025</a:t>
             </a:fld>
             <a:endParaRPr lang="ru-RU"/>
           </a:p>
@@ -10735,9 +11089,9 @@
           <a:bodyPr/>
           <a:lstStyle/>
           <a:p>
-            <a:fld id="{CFA9455A-F1E2-421B-B235-6FDF54452C39}" type="datetimeFigureOut">
+            <a:fld id="{DA23413A-23BC-4271-8050-2398EE51A947}" type="datetime1">
               <a:rPr lang="ru-RU" smtClean="0"/>
-              <a:t>16.12.2025</a:t>
+              <a:t>17.12.2025</a:t>
             </a:fld>
             <a:endParaRPr lang="ru-RU"/>
           </a:p>
@@ -11118,9 +11472,9 @@
           <a:bodyPr/>
           <a:lstStyle/>
           <a:p>
-            <a:fld id="{CFA9455A-F1E2-421B-B235-6FDF54452C39}" type="datetimeFigureOut">
+            <a:fld id="{970FB08B-91E4-4132-9199-137C10B3B024}" type="datetime1">
               <a:rPr lang="ru-RU" smtClean="0"/>
-              <a:t>16.12.2025</a:t>
+              <a:t>17.12.2025</a:t>
             </a:fld>
             <a:endParaRPr lang="ru-RU"/>
           </a:p>
@@ -11236,9 +11590,9 @@
           <a:bodyPr/>
           <a:lstStyle/>
           <a:p>
-            <a:fld id="{CFA9455A-F1E2-421B-B235-6FDF54452C39}" type="datetimeFigureOut">
+            <a:fld id="{23612F63-56B3-4A1B-A43C-E5613B904168}" type="datetime1">
               <a:rPr lang="ru-RU" smtClean="0"/>
-              <a:t>16.12.2025</a:t>
+              <a:t>17.12.2025</a:t>
             </a:fld>
             <a:endParaRPr lang="ru-RU"/>
           </a:p>
@@ -11409,9 +11763,9 @@
           <a:bodyPr/>
           <a:lstStyle/>
           <a:p>
-            <a:fld id="{CFA9455A-F1E2-421B-B235-6FDF54452C39}" type="datetimeFigureOut">
+            <a:fld id="{4C915A88-5231-4E84-B772-9EEB2D3F3DE6}" type="datetime1">
               <a:rPr lang="ru-RU" smtClean="0"/>
-              <a:t>16.12.2025</a:t>
+              <a:t>17.12.2025</a:t>
             </a:fld>
             <a:endParaRPr lang="ru-RU"/>
           </a:p>
@@ -11765,9 +12119,9 @@
             </a:lvl1pPr>
           </a:lstStyle>
           <a:p>
-            <a:fld id="{CFA9455A-F1E2-421B-B235-6FDF54452C39}" type="datetimeFigureOut">
+            <a:fld id="{F33F83DE-605C-4B4F-851F-EAF36A7F10CC}" type="datetime1">
               <a:rPr lang="ru-RU" smtClean="0"/>
-              <a:t>16.12.2025</a:t>
+              <a:t>17.12.2025</a:t>
             </a:fld>
             <a:endParaRPr lang="ru-RU"/>
           </a:p>
@@ -12113,9 +12467,9 @@
             </a:lvl1pPr>
           </a:lstStyle>
           <a:p>
-            <a:fld id="{CFA9455A-F1E2-421B-B235-6FDF54452C39}" type="datetimeFigureOut">
+            <a:fld id="{C4BF7452-8BE9-41EA-B2B8-89E22BC7C333}" type="datetime1">
               <a:rPr lang="ru-RU" smtClean="0"/>
-              <a:t>16.12.2025</a:t>
+              <a:t>17.12.2025</a:t>
             </a:fld>
             <a:endParaRPr lang="ru-RU"/>
           </a:p>
@@ -12438,9 +12792,9 @@
             </a:lvl1pPr>
           </a:lstStyle>
           <a:p>
-            <a:fld id="{CFA9455A-F1E2-421B-B235-6FDF54452C39}" type="datetimeFigureOut">
+            <a:fld id="{506CAC2A-C85A-4E9A-998E-B58F5FBB13B1}" type="datetime1">
               <a:rPr lang="ru-RU" smtClean="0"/>
-              <a:t>16.12.2025</a:t>
+              <a:t>17.12.2025</a:t>
             </a:fld>
             <a:endParaRPr lang="ru-RU"/>
           </a:p>
@@ -12579,6 +12933,7 @@
     <p:sldLayoutId id="2147483718" r:id="rId10"/>
     <p:sldLayoutId id="2147483719" r:id="rId11"/>
   </p:sldLayoutIdLst>
+  <p:hf hdr="0" ftr="0" dt="0"/>
   <p:txStyles>
     <p:titleStyle>
       <a:lvl1pPr algn="l" defTabSz="914400" rtl="0" eaLnBrk="1" latinLnBrk="0" hangingPunct="1">
@@ -13706,6 +14061,35 @@
           </a:prstGeom>
         </p:spPr>
       </p:pic>
+      <p:sp>
+        <p:nvSpPr>
+          <p:cNvPr id="3" name="Номер слайда 2">
+            <a:extLst>
+              <a:ext uri="{FF2B5EF4-FFF2-40B4-BE49-F238E27FC236}">
+                <a16:creationId xmlns:a16="http://schemas.microsoft.com/office/drawing/2014/main" id="{6132DE2C-8E35-EE4D-3C83-5000E8D566F7}"/>
+              </a:ext>
+            </a:extLst>
+          </p:cNvPr>
+          <p:cNvSpPr>
+            <a:spLocks noGrp="1"/>
+          </p:cNvSpPr>
+          <p:nvPr>
+            <p:ph type="sldNum" sz="quarter" idx="12"/>
+          </p:nvPr>
+        </p:nvSpPr>
+        <p:spPr/>
+        <p:txBody>
+          <a:bodyPr/>
+          <a:lstStyle/>
+          <a:p>
+            <a:fld id="{112154A6-695B-45C1-97FF-21A55C307959}" type="slidenum">
+              <a:rPr lang="ru-RU" sz="3200" smtClean="0"/>
+              <a:t>10</a:t>
+            </a:fld>
+            <a:endParaRPr lang="ru-RU" sz="3200" dirty="0"/>
+          </a:p>
+        </p:txBody>
+      </p:sp>
     </p:spTree>
     <p:extLst>
       <p:ext uri="{BB962C8B-B14F-4D97-AF65-F5344CB8AC3E}">
@@ -13720,6 +14104,252 @@
 </file>
 
 <file path=ppt/slides/slide11.xml><?xml version="1.0" encoding="utf-8"?>
+<p:sld xmlns:a="http://schemas.openxmlformats.org/drawingml/2006/main" xmlns:r="http://schemas.openxmlformats.org/officeDocument/2006/relationships" xmlns:p="http://schemas.openxmlformats.org/presentationml/2006/main">
+  <p:cSld>
+    <p:spTree>
+      <p:nvGrpSpPr>
+        <p:cNvPr id="1" name="">
+          <a:extLst>
+            <a:ext uri="{FF2B5EF4-FFF2-40B4-BE49-F238E27FC236}">
+              <a16:creationId xmlns:a16="http://schemas.microsoft.com/office/drawing/2014/main" id="{0E2B4E2A-71CF-9EF8-F353-FDCC74F86F96}"/>
+            </a:ext>
+          </a:extLst>
+        </p:cNvPr>
+        <p:cNvGrpSpPr/>
+        <p:nvPr/>
+      </p:nvGrpSpPr>
+      <p:grpSpPr>
+        <a:xfrm>
+          <a:off x="0" y="0"/>
+          <a:ext cx="0" cy="0"/>
+          <a:chOff x="0" y="0"/>
+          <a:chExt cx="0" cy="0"/>
+        </a:xfrm>
+      </p:grpSpPr>
+      <p:sp>
+        <p:nvSpPr>
+          <p:cNvPr id="2" name="Заголовок 1">
+            <a:extLst>
+              <a:ext uri="{FF2B5EF4-FFF2-40B4-BE49-F238E27FC236}">
+                <a16:creationId xmlns:a16="http://schemas.microsoft.com/office/drawing/2014/main" id="{AF7C9CFB-E840-6AC0-7D0E-9CDCC96E67E8}"/>
+              </a:ext>
+            </a:extLst>
+          </p:cNvPr>
+          <p:cNvSpPr>
+            <a:spLocks noGrp="1"/>
+          </p:cNvSpPr>
+          <p:nvPr>
+            <p:ph type="title"/>
+          </p:nvPr>
+        </p:nvSpPr>
+        <p:spPr/>
+        <p:txBody>
+          <a:bodyPr/>
+          <a:lstStyle/>
+          <a:p>
+            <a:r>
+              <a:rPr lang="ru-RU" dirty="0"/>
+              <a:t>Интерфейс веб-приложения</a:t>
+            </a:r>
+          </a:p>
+        </p:txBody>
+      </p:sp>
+      <p:sp>
+        <p:nvSpPr>
+          <p:cNvPr id="3" name="Номер слайда 2">
+            <a:extLst>
+              <a:ext uri="{FF2B5EF4-FFF2-40B4-BE49-F238E27FC236}">
+                <a16:creationId xmlns:a16="http://schemas.microsoft.com/office/drawing/2014/main" id="{E6A711FA-B1D6-7BD6-0533-9C7F203E624A}"/>
+              </a:ext>
+            </a:extLst>
+          </p:cNvPr>
+          <p:cNvSpPr>
+            <a:spLocks noGrp="1"/>
+          </p:cNvSpPr>
+          <p:nvPr>
+            <p:ph type="sldNum" sz="quarter" idx="12"/>
+          </p:nvPr>
+        </p:nvSpPr>
+        <p:spPr/>
+        <p:txBody>
+          <a:bodyPr/>
+          <a:lstStyle/>
+          <a:p>
+            <a:fld id="{112154A6-695B-45C1-97FF-21A55C307959}" type="slidenum">
+              <a:rPr lang="ru-RU" sz="3200" smtClean="0"/>
+              <a:t>11</a:t>
+            </a:fld>
+            <a:endParaRPr lang="ru-RU" sz="3200" dirty="0"/>
+          </a:p>
+        </p:txBody>
+      </p:sp>
+      <p:pic>
+        <p:nvPicPr>
+          <p:cNvPr id="6" name="Рисунок 5" descr="Изображение выглядит как текст, снимок экрана, диаграмма, число&#10;&#10;Содержимое, созданное искусственным интеллектом, может быть неверным.">
+            <a:extLst>
+              <a:ext uri="{FF2B5EF4-FFF2-40B4-BE49-F238E27FC236}">
+                <a16:creationId xmlns:a16="http://schemas.microsoft.com/office/drawing/2014/main" id="{A0553FF1-0361-8A25-C250-8A7E8D11DC37}"/>
+              </a:ext>
+            </a:extLst>
+          </p:cNvPr>
+          <p:cNvPicPr>
+            <a:picLocks noChangeAspect="1"/>
+          </p:cNvPicPr>
+          <p:nvPr/>
+        </p:nvPicPr>
+        <p:blipFill>
+          <a:blip r:embed="rId2"/>
+          <a:stretch>
+            <a:fillRect/>
+          </a:stretch>
+        </p:blipFill>
+        <p:spPr>
+          <a:xfrm>
+            <a:off x="2074287" y="1873077"/>
+            <a:ext cx="7826171" cy="4256845"/>
+          </a:xfrm>
+          <a:prstGeom prst="rect">
+            <a:avLst/>
+          </a:prstGeom>
+        </p:spPr>
+      </p:pic>
+    </p:spTree>
+    <p:extLst>
+      <p:ext uri="{BB962C8B-B14F-4D97-AF65-F5344CB8AC3E}">
+        <p14:creationId xmlns:p14="http://schemas.microsoft.com/office/powerpoint/2010/main" val="1478850243"/>
+      </p:ext>
+    </p:extLst>
+  </p:cSld>
+  <p:clrMapOvr>
+    <a:masterClrMapping/>
+  </p:clrMapOvr>
+</p:sld>
+</file>
+
+<file path=ppt/slides/slide12.xml><?xml version="1.0" encoding="utf-8"?>
+<p:sld xmlns:a="http://schemas.openxmlformats.org/drawingml/2006/main" xmlns:r="http://schemas.openxmlformats.org/officeDocument/2006/relationships" xmlns:p="http://schemas.openxmlformats.org/presentationml/2006/main">
+  <p:cSld>
+    <p:spTree>
+      <p:nvGrpSpPr>
+        <p:cNvPr id="1" name="">
+          <a:extLst>
+            <a:ext uri="{FF2B5EF4-FFF2-40B4-BE49-F238E27FC236}">
+              <a16:creationId xmlns:a16="http://schemas.microsoft.com/office/drawing/2014/main" id="{BC11C41A-DA1A-55D4-91FB-DF6DEE7401C0}"/>
+            </a:ext>
+          </a:extLst>
+        </p:cNvPr>
+        <p:cNvGrpSpPr/>
+        <p:nvPr/>
+      </p:nvGrpSpPr>
+      <p:grpSpPr>
+        <a:xfrm>
+          <a:off x="0" y="0"/>
+          <a:ext cx="0" cy="0"/>
+          <a:chOff x="0" y="0"/>
+          <a:chExt cx="0" cy="0"/>
+        </a:xfrm>
+      </p:grpSpPr>
+      <p:sp>
+        <p:nvSpPr>
+          <p:cNvPr id="2" name="Заголовок 1">
+            <a:extLst>
+              <a:ext uri="{FF2B5EF4-FFF2-40B4-BE49-F238E27FC236}">
+                <a16:creationId xmlns:a16="http://schemas.microsoft.com/office/drawing/2014/main" id="{A4C368A1-0F12-403D-C841-F5490BAFCAF6}"/>
+              </a:ext>
+            </a:extLst>
+          </p:cNvPr>
+          <p:cNvSpPr>
+            <a:spLocks noGrp="1"/>
+          </p:cNvSpPr>
+          <p:nvPr>
+            <p:ph type="title"/>
+          </p:nvPr>
+        </p:nvSpPr>
+        <p:spPr/>
+        <p:txBody>
+          <a:bodyPr/>
+          <a:lstStyle/>
+          <a:p>
+            <a:r>
+              <a:rPr lang="ru-RU" dirty="0"/>
+              <a:t>Интерфейс веб-приложения</a:t>
+            </a:r>
+          </a:p>
+        </p:txBody>
+      </p:sp>
+      <p:sp>
+        <p:nvSpPr>
+          <p:cNvPr id="3" name="Номер слайда 2">
+            <a:extLst>
+              <a:ext uri="{FF2B5EF4-FFF2-40B4-BE49-F238E27FC236}">
+                <a16:creationId xmlns:a16="http://schemas.microsoft.com/office/drawing/2014/main" id="{C5E0B771-840C-0325-F878-5A873FB19D06}"/>
+              </a:ext>
+            </a:extLst>
+          </p:cNvPr>
+          <p:cNvSpPr>
+            <a:spLocks noGrp="1"/>
+          </p:cNvSpPr>
+          <p:nvPr>
+            <p:ph type="sldNum" sz="quarter" idx="12"/>
+          </p:nvPr>
+        </p:nvSpPr>
+        <p:spPr/>
+        <p:txBody>
+          <a:bodyPr/>
+          <a:lstStyle/>
+          <a:p>
+            <a:fld id="{112154A6-695B-45C1-97FF-21A55C307959}" type="slidenum">
+              <a:rPr lang="ru-RU" sz="3200" smtClean="0"/>
+              <a:t>12</a:t>
+            </a:fld>
+            <a:endParaRPr lang="ru-RU" sz="3200" dirty="0"/>
+          </a:p>
+        </p:txBody>
+      </p:sp>
+      <p:pic>
+        <p:nvPicPr>
+          <p:cNvPr id="6" name="Рисунок 5" descr="Изображение выглядит как текст, Шрифт, число, снимок экрана&#10;&#10;Содержимое, созданное искусственным интеллектом, может быть неверным.">
+            <a:extLst>
+              <a:ext uri="{FF2B5EF4-FFF2-40B4-BE49-F238E27FC236}">
+                <a16:creationId xmlns:a16="http://schemas.microsoft.com/office/drawing/2014/main" id="{918B21AB-8BF4-E08E-7417-C2E4B6FCCEE4}"/>
+              </a:ext>
+            </a:extLst>
+          </p:cNvPr>
+          <p:cNvPicPr>
+            <a:picLocks noChangeAspect="1"/>
+          </p:cNvPicPr>
+          <p:nvPr/>
+        </p:nvPicPr>
+        <p:blipFill>
+          <a:blip r:embed="rId2"/>
+          <a:stretch>
+            <a:fillRect/>
+          </a:stretch>
+        </p:blipFill>
+        <p:spPr>
+          <a:xfrm>
+            <a:off x="1274387" y="2106711"/>
+            <a:ext cx="9643225" cy="3552502"/>
+          </a:xfrm>
+          <a:prstGeom prst="rect">
+            <a:avLst/>
+          </a:prstGeom>
+        </p:spPr>
+      </p:pic>
+    </p:spTree>
+    <p:extLst>
+      <p:ext uri="{BB962C8B-B14F-4D97-AF65-F5344CB8AC3E}">
+        <p14:creationId xmlns:p14="http://schemas.microsoft.com/office/powerpoint/2010/main" val="2722577835"/>
+      </p:ext>
+    </p:extLst>
+  </p:cSld>
+  <p:clrMapOvr>
+    <a:masterClrMapping/>
+  </p:clrMapOvr>
+</p:sld>
+</file>
+
+<file path=ppt/slides/slide13.xml><?xml version="1.0" encoding="utf-8"?>
 <p:sld xmlns:a="http://schemas.openxmlformats.org/drawingml/2006/main" xmlns:r="http://schemas.openxmlformats.org/officeDocument/2006/relationships" xmlns:p="http://schemas.openxmlformats.org/presentationml/2006/main">
   <p:cSld>
     <p:bg>
@@ -14003,6 +14633,35 @@
           </a:graphicData>
         </a:graphic>
       </p:graphicFrame>
+      <p:sp>
+        <p:nvSpPr>
+          <p:cNvPr id="3" name="Номер слайда 2">
+            <a:extLst>
+              <a:ext uri="{FF2B5EF4-FFF2-40B4-BE49-F238E27FC236}">
+                <a16:creationId xmlns:a16="http://schemas.microsoft.com/office/drawing/2014/main" id="{EB041E3F-E96F-A18E-692D-73932A57474C}"/>
+              </a:ext>
+            </a:extLst>
+          </p:cNvPr>
+          <p:cNvSpPr>
+            <a:spLocks noGrp="1"/>
+          </p:cNvSpPr>
+          <p:nvPr>
+            <p:ph type="sldNum" sz="quarter" idx="12"/>
+          </p:nvPr>
+        </p:nvSpPr>
+        <p:spPr/>
+        <p:txBody>
+          <a:bodyPr/>
+          <a:lstStyle/>
+          <a:p>
+            <a:fld id="{112154A6-695B-45C1-97FF-21A55C307959}" type="slidenum">
+              <a:rPr lang="ru-RU" sz="3200" smtClean="0"/>
+              <a:t>13</a:t>
+            </a:fld>
+            <a:endParaRPr lang="ru-RU" sz="3200"/>
+          </a:p>
+        </p:txBody>
+      </p:sp>
     </p:spTree>
     <p:extLst>
       <p:ext uri="{BB962C8B-B14F-4D97-AF65-F5344CB8AC3E}">
@@ -14016,7 +14675,7 @@
 </p:sld>
 </file>
 
-<file path=ppt/slides/slide12.xml><?xml version="1.0" encoding="utf-8"?>
+<file path=ppt/slides/slide14.xml><?xml version="1.0" encoding="utf-8"?>
 <p:sld xmlns:a="http://schemas.openxmlformats.org/drawingml/2006/main" xmlns:r="http://schemas.openxmlformats.org/officeDocument/2006/relationships" xmlns:p="http://schemas.openxmlformats.org/presentationml/2006/main">
   <p:cSld>
     <p:bg>
@@ -14111,6 +14770,35 @@
           </a:graphicData>
         </a:graphic>
       </p:graphicFrame>
+      <p:sp>
+        <p:nvSpPr>
+          <p:cNvPr id="3" name="Номер слайда 2">
+            <a:extLst>
+              <a:ext uri="{FF2B5EF4-FFF2-40B4-BE49-F238E27FC236}">
+                <a16:creationId xmlns:a16="http://schemas.microsoft.com/office/drawing/2014/main" id="{A34DB9C6-EA43-E39C-E2F7-2EC0D857E1D5}"/>
+              </a:ext>
+            </a:extLst>
+          </p:cNvPr>
+          <p:cNvSpPr>
+            <a:spLocks noGrp="1"/>
+          </p:cNvSpPr>
+          <p:nvPr>
+            <p:ph type="sldNum" sz="quarter" idx="12"/>
+          </p:nvPr>
+        </p:nvSpPr>
+        <p:spPr/>
+        <p:txBody>
+          <a:bodyPr/>
+          <a:lstStyle/>
+          <a:p>
+            <a:fld id="{112154A6-695B-45C1-97FF-21A55C307959}" type="slidenum">
+              <a:rPr lang="ru-RU" sz="3200" smtClean="0"/>
+              <a:t>14</a:t>
+            </a:fld>
+            <a:endParaRPr lang="ru-RU" sz="3200"/>
+          </a:p>
+        </p:txBody>
+      </p:sp>
     </p:spTree>
     <p:extLst>
       <p:ext uri="{BB962C8B-B14F-4D97-AF65-F5344CB8AC3E}">
@@ -14124,7 +14812,7 @@
 </p:sld>
 </file>
 
-<file path=ppt/slides/slide13.xml><?xml version="1.0" encoding="utf-8"?>
+<file path=ppt/slides/slide15.xml><?xml version="1.0" encoding="utf-8"?>
 <p:sld xmlns:a="http://schemas.openxmlformats.org/drawingml/2006/main" xmlns:r="http://schemas.openxmlformats.org/officeDocument/2006/relationships" xmlns:p="http://schemas.openxmlformats.org/presentationml/2006/main">
   <p:cSld>
     <p:spTree>
@@ -14234,6 +14922,35 @@
           </a:p>
         </p:txBody>
       </p:sp>
+      <p:sp>
+        <p:nvSpPr>
+          <p:cNvPr id="4" name="Номер слайда 3">
+            <a:extLst>
+              <a:ext uri="{FF2B5EF4-FFF2-40B4-BE49-F238E27FC236}">
+                <a16:creationId xmlns:a16="http://schemas.microsoft.com/office/drawing/2014/main" id="{64E902B8-3A49-D42C-6301-F2D416938B93}"/>
+              </a:ext>
+            </a:extLst>
+          </p:cNvPr>
+          <p:cNvSpPr>
+            <a:spLocks noGrp="1"/>
+          </p:cNvSpPr>
+          <p:nvPr>
+            <p:ph type="sldNum" sz="quarter" idx="12"/>
+          </p:nvPr>
+        </p:nvSpPr>
+        <p:spPr/>
+        <p:txBody>
+          <a:bodyPr/>
+          <a:lstStyle/>
+          <a:p>
+            <a:fld id="{112154A6-695B-45C1-97FF-21A55C307959}" type="slidenum">
+              <a:rPr lang="ru-RU" sz="3200" smtClean="0"/>
+              <a:t>15</a:t>
+            </a:fld>
+            <a:endParaRPr lang="ru-RU" sz="3200" dirty="0"/>
+          </a:p>
+        </p:txBody>
+      </p:sp>
     </p:spTree>
     <p:extLst>
       <p:ext uri="{BB962C8B-B14F-4D97-AF65-F5344CB8AC3E}">
@@ -14247,7 +14964,7 @@
 </p:sld>
 </file>
 
-<file path=ppt/slides/slide14.xml><?xml version="1.0" encoding="utf-8"?>
+<file path=ppt/slides/slide16.xml><?xml version="1.0" encoding="utf-8"?>
 <p:sld xmlns:a="http://schemas.openxmlformats.org/drawingml/2006/main" xmlns:r="http://schemas.openxmlformats.org/officeDocument/2006/relationships" xmlns:p="http://schemas.openxmlformats.org/presentationml/2006/main">
   <p:cSld>
     <p:bg>
@@ -14342,6 +15059,35 @@
           </a:graphicData>
         </a:graphic>
       </p:graphicFrame>
+      <p:sp>
+        <p:nvSpPr>
+          <p:cNvPr id="3" name="Номер слайда 2">
+            <a:extLst>
+              <a:ext uri="{FF2B5EF4-FFF2-40B4-BE49-F238E27FC236}">
+                <a16:creationId xmlns:a16="http://schemas.microsoft.com/office/drawing/2014/main" id="{7ED3B414-AA52-A432-887A-F8A59A1BDD8B}"/>
+              </a:ext>
+            </a:extLst>
+          </p:cNvPr>
+          <p:cNvSpPr>
+            <a:spLocks noGrp="1"/>
+          </p:cNvSpPr>
+          <p:nvPr>
+            <p:ph type="sldNum" sz="quarter" idx="12"/>
+          </p:nvPr>
+        </p:nvSpPr>
+        <p:spPr/>
+        <p:txBody>
+          <a:bodyPr/>
+          <a:lstStyle/>
+          <a:p>
+            <a:fld id="{112154A6-695B-45C1-97FF-21A55C307959}" type="slidenum">
+              <a:rPr lang="ru-RU" sz="3200" smtClean="0"/>
+              <a:t>16</a:t>
+            </a:fld>
+            <a:endParaRPr lang="ru-RU" sz="3200"/>
+          </a:p>
+        </p:txBody>
+      </p:sp>
     </p:spTree>
     <p:extLst>
       <p:ext uri="{BB962C8B-B14F-4D97-AF65-F5344CB8AC3E}">
@@ -14355,7 +15101,7 @@
 </p:sld>
 </file>
 
-<file path=ppt/slides/slide15.xml><?xml version="1.0" encoding="utf-8"?>
+<file path=ppt/slides/slide17.xml><?xml version="1.0" encoding="utf-8"?>
 <p:sld xmlns:a="http://schemas.openxmlformats.org/drawingml/2006/main" xmlns:r="http://schemas.openxmlformats.org/officeDocument/2006/relationships" xmlns:p="http://schemas.openxmlformats.org/presentationml/2006/main">
   <p:cSld>
     <p:bg>
@@ -15025,6 +15771,35 @@
           </a:p>
         </p:txBody>
       </p:sp>
+      <p:sp>
+        <p:nvSpPr>
+          <p:cNvPr id="4" name="Номер слайда 3">
+            <a:extLst>
+              <a:ext uri="{FF2B5EF4-FFF2-40B4-BE49-F238E27FC236}">
+                <a16:creationId xmlns:a16="http://schemas.microsoft.com/office/drawing/2014/main" id="{3B407072-5A2A-3E65-6379-D38259541557}"/>
+              </a:ext>
+            </a:extLst>
+          </p:cNvPr>
+          <p:cNvSpPr>
+            <a:spLocks noGrp="1"/>
+          </p:cNvSpPr>
+          <p:nvPr>
+            <p:ph type="sldNum" sz="quarter" idx="12"/>
+          </p:nvPr>
+        </p:nvSpPr>
+        <p:spPr/>
+        <p:txBody>
+          <a:bodyPr/>
+          <a:lstStyle/>
+          <a:p>
+            <a:fld id="{112154A6-695B-45C1-97FF-21A55C307959}" type="slidenum">
+              <a:rPr lang="ru-RU" sz="3200" smtClean="0"/>
+              <a:t>2</a:t>
+            </a:fld>
+            <a:endParaRPr lang="ru-RU" sz="3200" dirty="0"/>
+          </a:p>
+        </p:txBody>
+      </p:sp>
     </p:spTree>
     <p:extLst>
       <p:ext uri="{BB962C8B-B14F-4D97-AF65-F5344CB8AC3E}">
@@ -15121,6 +15896,35 @@
               <a:t>Решение проблемы эффективного доступа к актуальной информации о текущих и будущих книгах издательского дома путем разработки веб-ориентированной информационно-справочной системы издательского дома, обеспечивающей структурированное хранение данных, удобный доступ к каталогу книг, средства поиска и фильтрации информации, а также автоматизацию взаимодействия с пользователями за счёт системы уведомлений и персонализированных функций</a:t>
             </a:r>
             <a:endParaRPr lang="ru-RU" dirty="0"/>
+          </a:p>
+        </p:txBody>
+      </p:sp>
+      <p:sp>
+        <p:nvSpPr>
+          <p:cNvPr id="4" name="Номер слайда 3">
+            <a:extLst>
+              <a:ext uri="{FF2B5EF4-FFF2-40B4-BE49-F238E27FC236}">
+                <a16:creationId xmlns:a16="http://schemas.microsoft.com/office/drawing/2014/main" id="{66063FF3-CB97-0DBF-BABC-7845E154D275}"/>
+              </a:ext>
+            </a:extLst>
+          </p:cNvPr>
+          <p:cNvSpPr>
+            <a:spLocks noGrp="1"/>
+          </p:cNvSpPr>
+          <p:nvPr>
+            <p:ph type="sldNum" sz="quarter" idx="12"/>
+          </p:nvPr>
+        </p:nvSpPr>
+        <p:spPr/>
+        <p:txBody>
+          <a:bodyPr/>
+          <a:lstStyle/>
+          <a:p>
+            <a:fld id="{112154A6-695B-45C1-97FF-21A55C307959}" type="slidenum">
+              <a:rPr lang="ru-RU" sz="3200" smtClean="0"/>
+              <a:t>3</a:t>
+            </a:fld>
+            <a:endParaRPr lang="ru-RU" sz="3200"/>
           </a:p>
         </p:txBody>
       </p:sp>
@@ -15270,6 +16074,35 @@
           </a:p>
         </p:txBody>
       </p:sp>
+      <p:sp>
+        <p:nvSpPr>
+          <p:cNvPr id="4" name="Номер слайда 3">
+            <a:extLst>
+              <a:ext uri="{FF2B5EF4-FFF2-40B4-BE49-F238E27FC236}">
+                <a16:creationId xmlns:a16="http://schemas.microsoft.com/office/drawing/2014/main" id="{4FCA6FC9-25C1-9CAB-7661-3D3D6FEFA9FF}"/>
+              </a:ext>
+            </a:extLst>
+          </p:cNvPr>
+          <p:cNvSpPr>
+            <a:spLocks noGrp="1"/>
+          </p:cNvSpPr>
+          <p:nvPr>
+            <p:ph type="sldNum" sz="quarter" idx="12"/>
+          </p:nvPr>
+        </p:nvSpPr>
+        <p:spPr/>
+        <p:txBody>
+          <a:bodyPr/>
+          <a:lstStyle/>
+          <a:p>
+            <a:fld id="{112154A6-695B-45C1-97FF-21A55C307959}" type="slidenum">
+              <a:rPr lang="ru-RU" sz="3200" smtClean="0"/>
+              <a:t>4</a:t>
+            </a:fld>
+            <a:endParaRPr lang="ru-RU" sz="3200" dirty="0"/>
+          </a:p>
+        </p:txBody>
+      </p:sp>
     </p:spTree>
     <p:extLst>
       <p:ext uri="{BB962C8B-B14F-4D97-AF65-F5344CB8AC3E}">
@@ -15368,6 +16201,35 @@
           </a:p>
           <a:p>
             <a:endParaRPr lang="ru-RU" dirty="0"/>
+          </a:p>
+        </p:txBody>
+      </p:sp>
+      <p:sp>
+        <p:nvSpPr>
+          <p:cNvPr id="4" name="Номер слайда 3">
+            <a:extLst>
+              <a:ext uri="{FF2B5EF4-FFF2-40B4-BE49-F238E27FC236}">
+                <a16:creationId xmlns:a16="http://schemas.microsoft.com/office/drawing/2014/main" id="{81C18875-9CB0-D1CA-129F-F62B6BFC90B0}"/>
+              </a:ext>
+            </a:extLst>
+          </p:cNvPr>
+          <p:cNvSpPr>
+            <a:spLocks noGrp="1"/>
+          </p:cNvSpPr>
+          <p:nvPr>
+            <p:ph type="sldNum" sz="quarter" idx="12"/>
+          </p:nvPr>
+        </p:nvSpPr>
+        <p:spPr/>
+        <p:txBody>
+          <a:bodyPr/>
+          <a:lstStyle/>
+          <a:p>
+            <a:fld id="{112154A6-695B-45C1-97FF-21A55C307959}" type="slidenum">
+              <a:rPr lang="ru-RU" sz="3200" smtClean="0"/>
+              <a:t>5</a:t>
+            </a:fld>
+            <a:endParaRPr lang="ru-RU" sz="3200"/>
           </a:p>
         </p:txBody>
       </p:sp>
@@ -15907,6 +16769,35 @@
           </a:p>
         </p:txBody>
       </p:sp>
+      <p:sp>
+        <p:nvSpPr>
+          <p:cNvPr id="3" name="Номер слайда 2">
+            <a:extLst>
+              <a:ext uri="{FF2B5EF4-FFF2-40B4-BE49-F238E27FC236}">
+                <a16:creationId xmlns:a16="http://schemas.microsoft.com/office/drawing/2014/main" id="{3CBEE701-A66E-B72A-D531-3ED76556AE62}"/>
+              </a:ext>
+            </a:extLst>
+          </p:cNvPr>
+          <p:cNvSpPr>
+            <a:spLocks noGrp="1"/>
+          </p:cNvSpPr>
+          <p:nvPr>
+            <p:ph type="sldNum" sz="quarter" idx="12"/>
+          </p:nvPr>
+        </p:nvSpPr>
+        <p:spPr/>
+        <p:txBody>
+          <a:bodyPr/>
+          <a:lstStyle/>
+          <a:p>
+            <a:fld id="{112154A6-695B-45C1-97FF-21A55C307959}" type="slidenum">
+              <a:rPr lang="ru-RU" sz="3200" smtClean="0"/>
+              <a:t>6</a:t>
+            </a:fld>
+            <a:endParaRPr lang="ru-RU" sz="3200" dirty="0"/>
+          </a:p>
+        </p:txBody>
+      </p:sp>
     </p:spTree>
     <p:extLst>
       <p:ext uri="{BB962C8B-B14F-4D97-AF65-F5344CB8AC3E}">
@@ -16227,6 +17118,35 @@
           </a:ln>
         </p:spPr>
       </p:pic>
+      <p:sp>
+        <p:nvSpPr>
+          <p:cNvPr id="4" name="Номер слайда 3">
+            <a:extLst>
+              <a:ext uri="{FF2B5EF4-FFF2-40B4-BE49-F238E27FC236}">
+                <a16:creationId xmlns:a16="http://schemas.microsoft.com/office/drawing/2014/main" id="{FCE0F898-56CC-CA88-B0D1-6C5955344CA8}"/>
+              </a:ext>
+            </a:extLst>
+          </p:cNvPr>
+          <p:cNvSpPr>
+            <a:spLocks noGrp="1"/>
+          </p:cNvSpPr>
+          <p:nvPr>
+            <p:ph type="sldNum" sz="quarter" idx="12"/>
+          </p:nvPr>
+        </p:nvSpPr>
+        <p:spPr/>
+        <p:txBody>
+          <a:bodyPr/>
+          <a:lstStyle/>
+          <a:p>
+            <a:fld id="{112154A6-695B-45C1-97FF-21A55C307959}" type="slidenum">
+              <a:rPr lang="ru-RU" sz="3200" smtClean="0"/>
+              <a:t>7</a:t>
+            </a:fld>
+            <a:endParaRPr lang="ru-RU" sz="3200"/>
+          </a:p>
+        </p:txBody>
+      </p:sp>
     </p:spTree>
     <p:extLst>
       <p:ext uri="{BB962C8B-B14F-4D97-AF65-F5344CB8AC3E}">
@@ -16320,6 +17240,35 @@
           </a:prstGeom>
         </p:spPr>
       </p:pic>
+      <p:sp>
+        <p:nvSpPr>
+          <p:cNvPr id="3" name="Номер слайда 2">
+            <a:extLst>
+              <a:ext uri="{FF2B5EF4-FFF2-40B4-BE49-F238E27FC236}">
+                <a16:creationId xmlns:a16="http://schemas.microsoft.com/office/drawing/2014/main" id="{AB0815F5-F336-F3A7-34AB-521FAA279D88}"/>
+              </a:ext>
+            </a:extLst>
+          </p:cNvPr>
+          <p:cNvSpPr>
+            <a:spLocks noGrp="1"/>
+          </p:cNvSpPr>
+          <p:nvPr>
+            <p:ph type="sldNum" sz="quarter" idx="12"/>
+          </p:nvPr>
+        </p:nvSpPr>
+        <p:spPr/>
+        <p:txBody>
+          <a:bodyPr/>
+          <a:lstStyle/>
+          <a:p>
+            <a:fld id="{112154A6-695B-45C1-97FF-21A55C307959}" type="slidenum">
+              <a:rPr lang="ru-RU" sz="3200" smtClean="0"/>
+              <a:t>8</a:t>
+            </a:fld>
+            <a:endParaRPr lang="ru-RU" sz="3200"/>
+          </a:p>
+        </p:txBody>
+      </p:sp>
     </p:spTree>
     <p:extLst>
       <p:ext uri="{BB962C8B-B14F-4D97-AF65-F5344CB8AC3E}">
@@ -16408,6 +17357,35 @@
           </a:prstGeom>
         </p:spPr>
       </p:pic>
+      <p:sp>
+        <p:nvSpPr>
+          <p:cNvPr id="4" name="Номер слайда 3">
+            <a:extLst>
+              <a:ext uri="{FF2B5EF4-FFF2-40B4-BE49-F238E27FC236}">
+                <a16:creationId xmlns:a16="http://schemas.microsoft.com/office/drawing/2014/main" id="{C20AC2CA-A011-2788-FCC3-F39837BE46E1}"/>
+              </a:ext>
+            </a:extLst>
+          </p:cNvPr>
+          <p:cNvSpPr>
+            <a:spLocks noGrp="1"/>
+          </p:cNvSpPr>
+          <p:nvPr>
+            <p:ph type="sldNum" sz="quarter" idx="12"/>
+          </p:nvPr>
+        </p:nvSpPr>
+        <p:spPr/>
+        <p:txBody>
+          <a:bodyPr/>
+          <a:lstStyle/>
+          <a:p>
+            <a:fld id="{112154A6-695B-45C1-97FF-21A55C307959}" type="slidenum">
+              <a:rPr lang="ru-RU" sz="3200" smtClean="0"/>
+              <a:t>9</a:t>
+            </a:fld>
+            <a:endParaRPr lang="ru-RU" sz="3200"/>
+          </a:p>
+        </p:txBody>
+      </p:sp>
     </p:spTree>
     <p:extLst>
       <p:ext uri="{BB962C8B-B14F-4D97-AF65-F5344CB8AC3E}">
@@ -16702,4 +17680,319 @@
     </a:ext>
   </a:extLst>
 </a:theme>
+</file>
+
+<file path=ppt/theme/theme2.xml><?xml version="1.0" encoding="utf-8"?>
+<a:theme xmlns:a="http://schemas.openxmlformats.org/drawingml/2006/main" name="Тема Office">
+  <a:themeElements>
+    <a:clrScheme name="Стандартная">
+      <a:dk1>
+        <a:sysClr val="windowText" lastClr="000000"/>
+      </a:dk1>
+      <a:lt1>
+        <a:sysClr val="window" lastClr="FFFFFF"/>
+      </a:lt1>
+      <a:dk2>
+        <a:srgbClr val="0E2841"/>
+      </a:dk2>
+      <a:lt2>
+        <a:srgbClr val="E8E8E8"/>
+      </a:lt2>
+      <a:accent1>
+        <a:srgbClr val="156082"/>
+      </a:accent1>
+      <a:accent2>
+        <a:srgbClr val="E97132"/>
+      </a:accent2>
+      <a:accent3>
+        <a:srgbClr val="196B24"/>
+      </a:accent3>
+      <a:accent4>
+        <a:srgbClr val="0F9ED5"/>
+      </a:accent4>
+      <a:accent5>
+        <a:srgbClr val="A02B93"/>
+      </a:accent5>
+      <a:accent6>
+        <a:srgbClr val="4EA72E"/>
+      </a:accent6>
+      <a:hlink>
+        <a:srgbClr val="467886"/>
+      </a:hlink>
+      <a:folHlink>
+        <a:srgbClr val="96607D"/>
+      </a:folHlink>
+    </a:clrScheme>
+    <a:fontScheme name="Стандартная">
+      <a:majorFont>
+        <a:latin typeface="Aptos Display" panose="02110004020202020204"/>
+        <a:ea typeface=""/>
+        <a:cs typeface=""/>
+        <a:font script="Jpan" typeface="游ゴシック Light"/>
+        <a:font script="Hang" typeface="맑은 고딕"/>
+        <a:font script="Hans" typeface="等线 Light"/>
+        <a:font script="Hant" typeface="新細明體"/>
+        <a:font script="Arab" typeface="Times New Roman"/>
+        <a:font script="Hebr" typeface="Times New Roman"/>
+        <a:font script="Thai" typeface="Angsana New"/>
+        <a:font script="Ethi" typeface="Nyala"/>
+        <a:font script="Beng" typeface="Vrinda"/>
+        <a:font script="Gujr" typeface="Shruti"/>
+        <a:font script="Khmr" typeface="MoolBoran"/>
+        <a:font script="Knda" typeface="Tunga"/>
+        <a:font script="Guru" typeface="Raavi"/>
+        <a:font script="Cans" typeface="Euphemia"/>
+        <a:font script="Cher" typeface="Plantagenet Cherokee"/>
+        <a:font script="Yiii" typeface="Microsoft Yi Baiti"/>
+        <a:font script="Tibt" typeface="Microsoft Himalaya"/>
+        <a:font script="Thaa" typeface="MV Boli"/>
+        <a:font script="Deva" typeface="Mangal"/>
+        <a:font script="Telu" typeface="Gautami"/>
+        <a:font script="Taml" typeface="Latha"/>
+        <a:font script="Syrc" typeface="Estrangelo Edessa"/>
+        <a:font script="Orya" typeface="Kalinga"/>
+        <a:font script="Mlym" typeface="Kartika"/>
+        <a:font script="Laoo" typeface="DokChampa"/>
+        <a:font script="Sinh" typeface="Iskoola Pota"/>
+        <a:font script="Mong" typeface="Mongolian Baiti"/>
+        <a:font script="Viet" typeface="Times New Roman"/>
+        <a:font script="Uigh" typeface="Microsoft Uighur"/>
+        <a:font script="Geor" typeface="Sylfaen"/>
+        <a:font script="Armn" typeface="Arial"/>
+        <a:font script="Bugi" typeface="Leelawadee UI"/>
+        <a:font script="Bopo" typeface="Microsoft JhengHei"/>
+        <a:font script="Java" typeface="Javanese Text"/>
+        <a:font script="Lisu" typeface="Segoe UI"/>
+        <a:font script="Mymr" typeface="Myanmar Text"/>
+        <a:font script="Nkoo" typeface="Ebrima"/>
+        <a:font script="Olck" typeface="Nirmala UI"/>
+        <a:font script="Osma" typeface="Ebrima"/>
+        <a:font script="Phag" typeface="Phagspa"/>
+        <a:font script="Syrn" typeface="Estrangelo Edessa"/>
+        <a:font script="Syrj" typeface="Estrangelo Edessa"/>
+        <a:font script="Syre" typeface="Estrangelo Edessa"/>
+        <a:font script="Sora" typeface="Nirmala UI"/>
+        <a:font script="Tale" typeface="Microsoft Tai Le"/>
+        <a:font script="Talu" typeface="Microsoft New Tai Lue"/>
+        <a:font script="Tfng" typeface="Ebrima"/>
+      </a:majorFont>
+      <a:minorFont>
+        <a:latin typeface="Aptos" panose="02110004020202020204"/>
+        <a:ea typeface=""/>
+        <a:cs typeface=""/>
+        <a:font script="Jpan" typeface="游ゴシック"/>
+        <a:font script="Hang" typeface="맑은 고딕"/>
+        <a:font script="Hans" typeface="等线"/>
+        <a:font script="Hant" typeface="新細明體"/>
+        <a:font script="Arab" typeface="Arial"/>
+        <a:font script="Hebr" typeface="Arial"/>
+        <a:font script="Thai" typeface="Cordia New"/>
+        <a:font script="Ethi" typeface="Nyala"/>
+        <a:font script="Beng" typeface="Vrinda"/>
+        <a:font script="Gujr" typeface="Shruti"/>
+        <a:font script="Khmr" typeface="DaunPenh"/>
+        <a:font script="Knda" typeface="Tunga"/>
+        <a:font script="Guru" typeface="Raavi"/>
+        <a:font script="Cans" typeface="Euphemia"/>
+        <a:font script="Cher" typeface="Plantagenet Cherokee"/>
+        <a:font script="Yiii" typeface="Microsoft Yi Baiti"/>
+        <a:font script="Tibt" typeface="Microsoft Himalaya"/>
+        <a:font script="Thaa" typeface="MV Boli"/>
+        <a:font script="Deva" typeface="Mangal"/>
+        <a:font script="Telu" typeface="Gautami"/>
+        <a:font script="Taml" typeface="Latha"/>
+        <a:font script="Syrc" typeface="Estrangelo Edessa"/>
+        <a:font script="Orya" typeface="Kalinga"/>
+        <a:font script="Mlym" typeface="Kartika"/>
+        <a:font script="Laoo" typeface="DokChampa"/>
+        <a:font script="Sinh" typeface="Iskoola Pota"/>
+        <a:font script="Mong" typeface="Mongolian Baiti"/>
+        <a:font script="Viet" typeface="Arial"/>
+        <a:font script="Uigh" typeface="Microsoft Uighur"/>
+        <a:font script="Geor" typeface="Sylfaen"/>
+        <a:font script="Armn" typeface="Arial"/>
+        <a:font script="Bugi" typeface="Leelawadee UI"/>
+        <a:font script="Bopo" typeface="Microsoft JhengHei"/>
+        <a:font script="Java" typeface="Javanese Text"/>
+        <a:font script="Lisu" typeface="Segoe UI"/>
+        <a:font script="Mymr" typeface="Myanmar Text"/>
+        <a:font script="Nkoo" typeface="Ebrima"/>
+        <a:font script="Olck" typeface="Nirmala UI"/>
+        <a:font script="Osma" typeface="Ebrima"/>
+        <a:font script="Phag" typeface="Phagspa"/>
+        <a:font script="Syrn" typeface="Estrangelo Edessa"/>
+        <a:font script="Syrj" typeface="Estrangelo Edessa"/>
+        <a:font script="Syre" typeface="Estrangelo Edessa"/>
+        <a:font script="Sora" typeface="Nirmala UI"/>
+        <a:font script="Tale" typeface="Microsoft Tai Le"/>
+        <a:font script="Talu" typeface="Microsoft New Tai Lue"/>
+        <a:font script="Tfng" typeface="Ebrima"/>
+      </a:minorFont>
+    </a:fontScheme>
+    <a:fmtScheme name="Стандартная">
+      <a:fillStyleLst>
+        <a:solidFill>
+          <a:schemeClr val="phClr"/>
+        </a:solidFill>
+        <a:gradFill rotWithShape="1">
+          <a:gsLst>
+            <a:gs pos="0">
+              <a:schemeClr val="phClr">
+                <a:lumMod val="110000"/>
+                <a:satMod val="105000"/>
+                <a:tint val="67000"/>
+              </a:schemeClr>
+            </a:gs>
+            <a:gs pos="50000">
+              <a:schemeClr val="phClr">
+                <a:lumMod val="105000"/>
+                <a:satMod val="103000"/>
+                <a:tint val="73000"/>
+              </a:schemeClr>
+            </a:gs>
+            <a:gs pos="100000">
+              <a:schemeClr val="phClr">
+                <a:lumMod val="105000"/>
+                <a:satMod val="109000"/>
+                <a:tint val="81000"/>
+              </a:schemeClr>
+            </a:gs>
+          </a:gsLst>
+          <a:lin ang="5400000" scaled="0"/>
+        </a:gradFill>
+        <a:gradFill rotWithShape="1">
+          <a:gsLst>
+            <a:gs pos="0">
+              <a:schemeClr val="phClr">
+                <a:satMod val="103000"/>
+                <a:lumMod val="102000"/>
+                <a:tint val="94000"/>
+              </a:schemeClr>
+            </a:gs>
+            <a:gs pos="50000">
+              <a:schemeClr val="phClr">
+                <a:satMod val="110000"/>
+                <a:lumMod val="100000"/>
+                <a:shade val="100000"/>
+              </a:schemeClr>
+            </a:gs>
+            <a:gs pos="100000">
+              <a:schemeClr val="phClr">
+                <a:lumMod val="99000"/>
+                <a:satMod val="120000"/>
+                <a:shade val="78000"/>
+              </a:schemeClr>
+            </a:gs>
+          </a:gsLst>
+          <a:lin ang="5400000" scaled="0"/>
+        </a:gradFill>
+      </a:fillStyleLst>
+      <a:lnStyleLst>
+        <a:ln w="12700" cap="flat" cmpd="sng" algn="ctr">
+          <a:solidFill>
+            <a:schemeClr val="phClr"/>
+          </a:solidFill>
+          <a:prstDash val="solid"/>
+          <a:miter lim="800000"/>
+        </a:ln>
+        <a:ln w="19050" cap="flat" cmpd="sng" algn="ctr">
+          <a:solidFill>
+            <a:schemeClr val="phClr"/>
+          </a:solidFill>
+          <a:prstDash val="solid"/>
+          <a:miter lim="800000"/>
+        </a:ln>
+        <a:ln w="25400" cap="flat" cmpd="sng" algn="ctr">
+          <a:solidFill>
+            <a:schemeClr val="phClr"/>
+          </a:solidFill>
+          <a:prstDash val="solid"/>
+          <a:miter lim="800000"/>
+        </a:ln>
+      </a:lnStyleLst>
+      <a:effectStyleLst>
+        <a:effectStyle>
+          <a:effectLst/>
+        </a:effectStyle>
+        <a:effectStyle>
+          <a:effectLst/>
+        </a:effectStyle>
+        <a:effectStyle>
+          <a:effectLst>
+            <a:outerShdw blurRad="57150" dist="19050" dir="5400000" algn="ctr" rotWithShape="0">
+              <a:srgbClr val="000000">
+                <a:alpha val="63000"/>
+              </a:srgbClr>
+            </a:outerShdw>
+          </a:effectLst>
+        </a:effectStyle>
+      </a:effectStyleLst>
+      <a:bgFillStyleLst>
+        <a:solidFill>
+          <a:schemeClr val="phClr"/>
+        </a:solidFill>
+        <a:solidFill>
+          <a:schemeClr val="phClr">
+            <a:tint val="95000"/>
+            <a:satMod val="170000"/>
+          </a:schemeClr>
+        </a:solidFill>
+        <a:gradFill rotWithShape="1">
+          <a:gsLst>
+            <a:gs pos="0">
+              <a:schemeClr val="phClr">
+                <a:tint val="93000"/>
+                <a:satMod val="150000"/>
+                <a:shade val="98000"/>
+                <a:lumMod val="102000"/>
+              </a:schemeClr>
+            </a:gs>
+            <a:gs pos="50000">
+              <a:schemeClr val="phClr">
+                <a:tint val="98000"/>
+                <a:satMod val="130000"/>
+                <a:shade val="90000"/>
+                <a:lumMod val="103000"/>
+              </a:schemeClr>
+            </a:gs>
+            <a:gs pos="100000">
+              <a:schemeClr val="phClr">
+                <a:shade val="63000"/>
+                <a:satMod val="120000"/>
+              </a:schemeClr>
+            </a:gs>
+          </a:gsLst>
+          <a:lin ang="5400000" scaled="0"/>
+        </a:gradFill>
+      </a:bgFillStyleLst>
+    </a:fmtScheme>
+  </a:themeElements>
+  <a:objectDefaults>
+    <a:lnDef>
+      <a:spPr/>
+      <a:bodyPr/>
+      <a:lstStyle/>
+      <a:style>
+        <a:lnRef idx="2">
+          <a:schemeClr val="accent1"/>
+        </a:lnRef>
+        <a:fillRef idx="0">
+          <a:schemeClr val="accent1"/>
+        </a:fillRef>
+        <a:effectRef idx="1">
+          <a:schemeClr val="accent1"/>
+        </a:effectRef>
+        <a:fontRef idx="minor">
+          <a:schemeClr val="tx1"/>
+        </a:fontRef>
+      </a:style>
+    </a:lnDef>
+  </a:objectDefaults>
+  <a:extraClrSchemeLst/>
+  <a:extLst>
+    <a:ext uri="{05A4C25C-085E-4340-85A3-A5531E510DB2}">
+      <thm15:themeFamily xmlns:thm15="http://schemas.microsoft.com/office/thememl/2012/main" name="Office Theme" id="{2E142A2C-CD16-42D6-873A-C26D2A0506FA}" vid="{1BDDFF52-6CD6-40A5-AB3C-68EB2F1E4D0A}"/>
+    </a:ext>
+  </a:extLst>
+</a:theme>
 </file>